--- a/ppt 16-9/1451.奇妙感觉在我.pptx
+++ b/ppt 16-9/1451.奇妙感觉在我.pptx
@@ -5,7 +5,7 @@
     <p:sldMasterId id="2147483648" r:id="rId1"/>
   </p:sldMasterIdLst>
   <p:sldIdLst>
-    <p:sldId id="1022" r:id="rId2"/>
+    <p:sldId id="1023" r:id="rId2"/>
   </p:sldIdLst>
   <p:sldSz cx="12192000" cy="6858000"/>
   <p:notesSz cx="6858000" cy="9144000"/>
@@ -129,7 +129,7 @@
           <p:cNvPr id="2" name="标题 1">
             <a:extLst>
               <a:ext uri="{FF2B5EF4-FFF2-40B4-BE49-F238E27FC236}">
-                <a16:creationId xmlns:a16="http://schemas.microsoft.com/office/drawing/2014/main" id="{F2095659-D142-B9C5-D58D-ED2733426DC2}"/>
+                <a16:creationId xmlns:a16="http://schemas.microsoft.com/office/drawing/2014/main" id="{1BDD88D1-1109-A759-0C6D-151429C8C4A0}"/>
               </a:ext>
             </a:extLst>
           </p:cNvPr>
@@ -166,7 +166,7 @@
           <p:cNvPr id="3" name="副标题 2">
             <a:extLst>
               <a:ext uri="{FF2B5EF4-FFF2-40B4-BE49-F238E27FC236}">
-                <a16:creationId xmlns:a16="http://schemas.microsoft.com/office/drawing/2014/main" id="{E11AA5D3-C5A2-2F77-9A1D-F504B4FEEE38}"/>
+                <a16:creationId xmlns:a16="http://schemas.microsoft.com/office/drawing/2014/main" id="{89FF6C42-3B86-F9DD-895F-7F9DFF44B31D}"/>
               </a:ext>
             </a:extLst>
           </p:cNvPr>
@@ -236,7 +236,7 @@
           <p:cNvPr id="4" name="日期占位符 3">
             <a:extLst>
               <a:ext uri="{FF2B5EF4-FFF2-40B4-BE49-F238E27FC236}">
-                <a16:creationId xmlns:a16="http://schemas.microsoft.com/office/drawing/2014/main" id="{E61AF761-DCE7-18FD-34A9-2258B10D78F9}"/>
+                <a16:creationId xmlns:a16="http://schemas.microsoft.com/office/drawing/2014/main" id="{D1978180-5BF2-B5EB-9A4A-8FA5FD284937}"/>
               </a:ext>
             </a:extLst>
           </p:cNvPr>
@@ -252,7 +252,7 @@
           <a:bodyPr/>
           <a:lstStyle/>
           <a:p>
-            <a:fld id="{635527FE-A25D-42E5-9983-6993E68320A0}" type="datetimeFigureOut">
+            <a:fld id="{EEF061D5-D8D0-4935-BA65-6A3F3C8CFF36}" type="datetimeFigureOut">
               <a:rPr lang="zh-CN" altLang="en-US" smtClean="0"/>
               <a:t>2024/3/10</a:t>
             </a:fld>
@@ -265,7 +265,7 @@
           <p:cNvPr id="5" name="页脚占位符 4">
             <a:extLst>
               <a:ext uri="{FF2B5EF4-FFF2-40B4-BE49-F238E27FC236}">
-                <a16:creationId xmlns:a16="http://schemas.microsoft.com/office/drawing/2014/main" id="{52134CE5-31B4-6779-E44A-2ABD9B56D37F}"/>
+                <a16:creationId xmlns:a16="http://schemas.microsoft.com/office/drawing/2014/main" id="{AAC927DC-9BA4-7D7B-723D-4DE70D843496}"/>
               </a:ext>
             </a:extLst>
           </p:cNvPr>
@@ -290,7 +290,7 @@
           <p:cNvPr id="6" name="灯片编号占位符 5">
             <a:extLst>
               <a:ext uri="{FF2B5EF4-FFF2-40B4-BE49-F238E27FC236}">
-                <a16:creationId xmlns:a16="http://schemas.microsoft.com/office/drawing/2014/main" id="{B3CA398E-4C61-B91A-30DC-9C00AEC0DA62}"/>
+                <a16:creationId xmlns:a16="http://schemas.microsoft.com/office/drawing/2014/main" id="{11336724-E297-ABAA-AF43-9033DA7F3B9E}"/>
               </a:ext>
             </a:extLst>
           </p:cNvPr>
@@ -306,7 +306,7 @@
           <a:bodyPr/>
           <a:lstStyle/>
           <a:p>
-            <a:fld id="{4C0BC73E-0EEF-406B-A1BC-F52DD3F55DBD}" type="slidenum">
+            <a:fld id="{881C92E0-E051-4A23-A88D-BD0B9968E458}" type="slidenum">
               <a:rPr lang="zh-CN" altLang="en-US" smtClean="0"/>
               <a:t>‹#›</a:t>
             </a:fld>
@@ -317,7 +317,7 @@
     </p:spTree>
     <p:extLst>
       <p:ext uri="{BB962C8B-B14F-4D97-AF65-F5344CB8AC3E}">
-        <p14:creationId xmlns:p14="http://schemas.microsoft.com/office/powerpoint/2010/main" val="2137579422"/>
+        <p14:creationId xmlns:p14="http://schemas.microsoft.com/office/powerpoint/2010/main" val="2932138716"/>
       </p:ext>
     </p:extLst>
   </p:cSld>
@@ -349,7 +349,7 @@
           <p:cNvPr id="2" name="标题 1">
             <a:extLst>
               <a:ext uri="{FF2B5EF4-FFF2-40B4-BE49-F238E27FC236}">
-                <a16:creationId xmlns:a16="http://schemas.microsoft.com/office/drawing/2014/main" id="{BAA3707A-74B0-9836-EA5C-17485F0C6D94}"/>
+                <a16:creationId xmlns:a16="http://schemas.microsoft.com/office/drawing/2014/main" id="{397EBB29-5572-E3DC-BB47-581C4D279AE5}"/>
               </a:ext>
             </a:extLst>
           </p:cNvPr>
@@ -377,7 +377,7 @@
           <p:cNvPr id="3" name="竖排文字占位符 2">
             <a:extLst>
               <a:ext uri="{FF2B5EF4-FFF2-40B4-BE49-F238E27FC236}">
-                <a16:creationId xmlns:a16="http://schemas.microsoft.com/office/drawing/2014/main" id="{9314D434-7DC3-5393-3648-764CFB32B7BB}"/>
+                <a16:creationId xmlns:a16="http://schemas.microsoft.com/office/drawing/2014/main" id="{BCE0BCD9-9AF6-0CF1-9121-7BDDA1DA1736}"/>
               </a:ext>
             </a:extLst>
           </p:cNvPr>
@@ -434,7 +434,7 @@
           <p:cNvPr id="4" name="日期占位符 3">
             <a:extLst>
               <a:ext uri="{FF2B5EF4-FFF2-40B4-BE49-F238E27FC236}">
-                <a16:creationId xmlns:a16="http://schemas.microsoft.com/office/drawing/2014/main" id="{B885476C-85A6-5D5D-D6D2-6712C96C69B5}"/>
+                <a16:creationId xmlns:a16="http://schemas.microsoft.com/office/drawing/2014/main" id="{C5FBD0AE-D627-F320-5DFB-525158D42F08}"/>
               </a:ext>
             </a:extLst>
           </p:cNvPr>
@@ -450,7 +450,7 @@
           <a:bodyPr/>
           <a:lstStyle/>
           <a:p>
-            <a:fld id="{635527FE-A25D-42E5-9983-6993E68320A0}" type="datetimeFigureOut">
+            <a:fld id="{EEF061D5-D8D0-4935-BA65-6A3F3C8CFF36}" type="datetimeFigureOut">
               <a:rPr lang="zh-CN" altLang="en-US" smtClean="0"/>
               <a:t>2024/3/10</a:t>
             </a:fld>
@@ -463,7 +463,7 @@
           <p:cNvPr id="5" name="页脚占位符 4">
             <a:extLst>
               <a:ext uri="{FF2B5EF4-FFF2-40B4-BE49-F238E27FC236}">
-                <a16:creationId xmlns:a16="http://schemas.microsoft.com/office/drawing/2014/main" id="{073DC12B-07A0-A65A-A408-EC27AD4D2FE8}"/>
+                <a16:creationId xmlns:a16="http://schemas.microsoft.com/office/drawing/2014/main" id="{847D4F5B-8CD3-7EAD-7941-59711AB4F1FA}"/>
               </a:ext>
             </a:extLst>
           </p:cNvPr>
@@ -488,7 +488,7 @@
           <p:cNvPr id="6" name="灯片编号占位符 5">
             <a:extLst>
               <a:ext uri="{FF2B5EF4-FFF2-40B4-BE49-F238E27FC236}">
-                <a16:creationId xmlns:a16="http://schemas.microsoft.com/office/drawing/2014/main" id="{B26CA301-B203-1A73-C931-4FE10CB4DFC7}"/>
+                <a16:creationId xmlns:a16="http://schemas.microsoft.com/office/drawing/2014/main" id="{DA7A888D-89D3-4C32-EE31-B979DF0FA58C}"/>
               </a:ext>
             </a:extLst>
           </p:cNvPr>
@@ -504,7 +504,7 @@
           <a:bodyPr/>
           <a:lstStyle/>
           <a:p>
-            <a:fld id="{4C0BC73E-0EEF-406B-A1BC-F52DD3F55DBD}" type="slidenum">
+            <a:fld id="{881C92E0-E051-4A23-A88D-BD0B9968E458}" type="slidenum">
               <a:rPr lang="zh-CN" altLang="en-US" smtClean="0"/>
               <a:t>‹#›</a:t>
             </a:fld>
@@ -515,7 +515,7 @@
     </p:spTree>
     <p:extLst>
       <p:ext uri="{BB962C8B-B14F-4D97-AF65-F5344CB8AC3E}">
-        <p14:creationId xmlns:p14="http://schemas.microsoft.com/office/powerpoint/2010/main" val="3920628079"/>
+        <p14:creationId xmlns:p14="http://schemas.microsoft.com/office/powerpoint/2010/main" val="2866607525"/>
       </p:ext>
     </p:extLst>
   </p:cSld>
@@ -547,7 +547,7 @@
           <p:cNvPr id="2" name="竖排标题 1">
             <a:extLst>
               <a:ext uri="{FF2B5EF4-FFF2-40B4-BE49-F238E27FC236}">
-                <a16:creationId xmlns:a16="http://schemas.microsoft.com/office/drawing/2014/main" id="{8CF5A826-CA17-2461-BDA1-B68897F2D19B}"/>
+                <a16:creationId xmlns:a16="http://schemas.microsoft.com/office/drawing/2014/main" id="{A0329737-BFF0-4AEE-51F5-456C00650921}"/>
               </a:ext>
             </a:extLst>
           </p:cNvPr>
@@ -580,7 +580,7 @@
           <p:cNvPr id="3" name="竖排文字占位符 2">
             <a:extLst>
               <a:ext uri="{FF2B5EF4-FFF2-40B4-BE49-F238E27FC236}">
-                <a16:creationId xmlns:a16="http://schemas.microsoft.com/office/drawing/2014/main" id="{231481C9-B7F9-1DF1-E1B3-2BAD286F570D}"/>
+                <a16:creationId xmlns:a16="http://schemas.microsoft.com/office/drawing/2014/main" id="{B99A137D-45DF-CC8F-6232-457E226026A9}"/>
               </a:ext>
             </a:extLst>
           </p:cNvPr>
@@ -642,7 +642,7 @@
           <p:cNvPr id="4" name="日期占位符 3">
             <a:extLst>
               <a:ext uri="{FF2B5EF4-FFF2-40B4-BE49-F238E27FC236}">
-                <a16:creationId xmlns:a16="http://schemas.microsoft.com/office/drawing/2014/main" id="{773AFF95-5DBC-D494-BC56-CA5F61E79AB0}"/>
+                <a16:creationId xmlns:a16="http://schemas.microsoft.com/office/drawing/2014/main" id="{EED3D31E-E680-ACBB-DF6C-465DEDB74941}"/>
               </a:ext>
             </a:extLst>
           </p:cNvPr>
@@ -658,7 +658,7 @@
           <a:bodyPr/>
           <a:lstStyle/>
           <a:p>
-            <a:fld id="{635527FE-A25D-42E5-9983-6993E68320A0}" type="datetimeFigureOut">
+            <a:fld id="{EEF061D5-D8D0-4935-BA65-6A3F3C8CFF36}" type="datetimeFigureOut">
               <a:rPr lang="zh-CN" altLang="en-US" smtClean="0"/>
               <a:t>2024/3/10</a:t>
             </a:fld>
@@ -671,7 +671,7 @@
           <p:cNvPr id="5" name="页脚占位符 4">
             <a:extLst>
               <a:ext uri="{FF2B5EF4-FFF2-40B4-BE49-F238E27FC236}">
-                <a16:creationId xmlns:a16="http://schemas.microsoft.com/office/drawing/2014/main" id="{5EFB4C94-172C-EAC9-15FA-7707E70AC3CF}"/>
+                <a16:creationId xmlns:a16="http://schemas.microsoft.com/office/drawing/2014/main" id="{95D1B3C0-113F-1ECF-2D57-97EAAF5FD816}"/>
               </a:ext>
             </a:extLst>
           </p:cNvPr>
@@ -696,7 +696,7 @@
           <p:cNvPr id="6" name="灯片编号占位符 5">
             <a:extLst>
               <a:ext uri="{FF2B5EF4-FFF2-40B4-BE49-F238E27FC236}">
-                <a16:creationId xmlns:a16="http://schemas.microsoft.com/office/drawing/2014/main" id="{E2B0C289-4409-4B55-E900-1B0229CF4C3E}"/>
+                <a16:creationId xmlns:a16="http://schemas.microsoft.com/office/drawing/2014/main" id="{8DBAC23B-9299-1585-B0B9-3108100B60A0}"/>
               </a:ext>
             </a:extLst>
           </p:cNvPr>
@@ -712,7 +712,7 @@
           <a:bodyPr/>
           <a:lstStyle/>
           <a:p>
-            <a:fld id="{4C0BC73E-0EEF-406B-A1BC-F52DD3F55DBD}" type="slidenum">
+            <a:fld id="{881C92E0-E051-4A23-A88D-BD0B9968E458}" type="slidenum">
               <a:rPr lang="zh-CN" altLang="en-US" smtClean="0"/>
               <a:t>‹#›</a:t>
             </a:fld>
@@ -723,7 +723,7 @@
     </p:spTree>
     <p:extLst>
       <p:ext uri="{BB962C8B-B14F-4D97-AF65-F5344CB8AC3E}">
-        <p14:creationId xmlns:p14="http://schemas.microsoft.com/office/powerpoint/2010/main" val="542684617"/>
+        <p14:creationId xmlns:p14="http://schemas.microsoft.com/office/powerpoint/2010/main" val="2758960074"/>
       </p:ext>
     </p:extLst>
   </p:cSld>
@@ -755,7 +755,7 @@
           <p:cNvPr id="2" name="标题 1">
             <a:extLst>
               <a:ext uri="{FF2B5EF4-FFF2-40B4-BE49-F238E27FC236}">
-                <a16:creationId xmlns:a16="http://schemas.microsoft.com/office/drawing/2014/main" id="{669C3BF5-5C3D-3E9F-CDE3-38C25D425F84}"/>
+                <a16:creationId xmlns:a16="http://schemas.microsoft.com/office/drawing/2014/main" id="{91D36DE2-3C86-AE86-B63C-32325A42CA56}"/>
               </a:ext>
             </a:extLst>
           </p:cNvPr>
@@ -783,7 +783,7 @@
           <p:cNvPr id="3" name="内容占位符 2">
             <a:extLst>
               <a:ext uri="{FF2B5EF4-FFF2-40B4-BE49-F238E27FC236}">
-                <a16:creationId xmlns:a16="http://schemas.microsoft.com/office/drawing/2014/main" id="{AFA73EC9-0175-CD7D-DD84-E7F4D245E9D3}"/>
+                <a16:creationId xmlns:a16="http://schemas.microsoft.com/office/drawing/2014/main" id="{52B71F60-2CFD-C3A8-E224-CCF2047982A2}"/>
               </a:ext>
             </a:extLst>
           </p:cNvPr>
@@ -840,7 +840,7 @@
           <p:cNvPr id="4" name="日期占位符 3">
             <a:extLst>
               <a:ext uri="{FF2B5EF4-FFF2-40B4-BE49-F238E27FC236}">
-                <a16:creationId xmlns:a16="http://schemas.microsoft.com/office/drawing/2014/main" id="{EDF0CE61-C7D5-45A0-7979-A3EAC9295713}"/>
+                <a16:creationId xmlns:a16="http://schemas.microsoft.com/office/drawing/2014/main" id="{EDFB49A1-5131-0CA9-EE59-8CF749006327}"/>
               </a:ext>
             </a:extLst>
           </p:cNvPr>
@@ -856,7 +856,7 @@
           <a:bodyPr/>
           <a:lstStyle/>
           <a:p>
-            <a:fld id="{635527FE-A25D-42E5-9983-6993E68320A0}" type="datetimeFigureOut">
+            <a:fld id="{EEF061D5-D8D0-4935-BA65-6A3F3C8CFF36}" type="datetimeFigureOut">
               <a:rPr lang="zh-CN" altLang="en-US" smtClean="0"/>
               <a:t>2024/3/10</a:t>
             </a:fld>
@@ -869,7 +869,7 @@
           <p:cNvPr id="5" name="页脚占位符 4">
             <a:extLst>
               <a:ext uri="{FF2B5EF4-FFF2-40B4-BE49-F238E27FC236}">
-                <a16:creationId xmlns:a16="http://schemas.microsoft.com/office/drawing/2014/main" id="{302FF954-8E3C-3946-68F1-C1E5D5471D45}"/>
+                <a16:creationId xmlns:a16="http://schemas.microsoft.com/office/drawing/2014/main" id="{253B84F0-0650-430A-6C1E-504407D4AD7D}"/>
               </a:ext>
             </a:extLst>
           </p:cNvPr>
@@ -894,7 +894,7 @@
           <p:cNvPr id="6" name="灯片编号占位符 5">
             <a:extLst>
               <a:ext uri="{FF2B5EF4-FFF2-40B4-BE49-F238E27FC236}">
-                <a16:creationId xmlns:a16="http://schemas.microsoft.com/office/drawing/2014/main" id="{098CADF6-698B-790B-9ED7-91C06329CDE7}"/>
+                <a16:creationId xmlns:a16="http://schemas.microsoft.com/office/drawing/2014/main" id="{BFBA57E2-D7FE-D302-8D0D-A6B0B07183C7}"/>
               </a:ext>
             </a:extLst>
           </p:cNvPr>
@@ -910,7 +910,7 @@
           <a:bodyPr/>
           <a:lstStyle/>
           <a:p>
-            <a:fld id="{4C0BC73E-0EEF-406B-A1BC-F52DD3F55DBD}" type="slidenum">
+            <a:fld id="{881C92E0-E051-4A23-A88D-BD0B9968E458}" type="slidenum">
               <a:rPr lang="zh-CN" altLang="en-US" smtClean="0"/>
               <a:t>‹#›</a:t>
             </a:fld>
@@ -921,7 +921,7 @@
     </p:spTree>
     <p:extLst>
       <p:ext uri="{BB962C8B-B14F-4D97-AF65-F5344CB8AC3E}">
-        <p14:creationId xmlns:p14="http://schemas.microsoft.com/office/powerpoint/2010/main" val="3386203532"/>
+        <p14:creationId xmlns:p14="http://schemas.microsoft.com/office/powerpoint/2010/main" val="372381655"/>
       </p:ext>
     </p:extLst>
   </p:cSld>
@@ -953,7 +953,7 @@
           <p:cNvPr id="2" name="标题 1">
             <a:extLst>
               <a:ext uri="{FF2B5EF4-FFF2-40B4-BE49-F238E27FC236}">
-                <a16:creationId xmlns:a16="http://schemas.microsoft.com/office/drawing/2014/main" id="{271CB407-21ED-ABD7-FF2B-D3C961889235}"/>
+                <a16:creationId xmlns:a16="http://schemas.microsoft.com/office/drawing/2014/main" id="{ED3264C6-D081-0FC5-0AA0-FE04697E82E2}"/>
               </a:ext>
             </a:extLst>
           </p:cNvPr>
@@ -990,7 +990,7 @@
           <p:cNvPr id="3" name="文本占位符 2">
             <a:extLst>
               <a:ext uri="{FF2B5EF4-FFF2-40B4-BE49-F238E27FC236}">
-                <a16:creationId xmlns:a16="http://schemas.microsoft.com/office/drawing/2014/main" id="{A9623142-75DB-F171-E6D6-7289EA971FA3}"/>
+                <a16:creationId xmlns:a16="http://schemas.microsoft.com/office/drawing/2014/main" id="{4DF74DFD-F54A-3A30-5E84-EB00574CBCC4}"/>
               </a:ext>
             </a:extLst>
           </p:cNvPr>
@@ -1115,7 +1115,7 @@
           <p:cNvPr id="4" name="日期占位符 3">
             <a:extLst>
               <a:ext uri="{FF2B5EF4-FFF2-40B4-BE49-F238E27FC236}">
-                <a16:creationId xmlns:a16="http://schemas.microsoft.com/office/drawing/2014/main" id="{287EA7BD-678A-2272-535A-104C26084FD5}"/>
+                <a16:creationId xmlns:a16="http://schemas.microsoft.com/office/drawing/2014/main" id="{2EED3A45-482A-3D6E-8418-D5F12A5E73AF}"/>
               </a:ext>
             </a:extLst>
           </p:cNvPr>
@@ -1131,7 +1131,7 @@
           <a:bodyPr/>
           <a:lstStyle/>
           <a:p>
-            <a:fld id="{635527FE-A25D-42E5-9983-6993E68320A0}" type="datetimeFigureOut">
+            <a:fld id="{EEF061D5-D8D0-4935-BA65-6A3F3C8CFF36}" type="datetimeFigureOut">
               <a:rPr lang="zh-CN" altLang="en-US" smtClean="0"/>
               <a:t>2024/3/10</a:t>
             </a:fld>
@@ -1144,7 +1144,7 @@
           <p:cNvPr id="5" name="页脚占位符 4">
             <a:extLst>
               <a:ext uri="{FF2B5EF4-FFF2-40B4-BE49-F238E27FC236}">
-                <a16:creationId xmlns:a16="http://schemas.microsoft.com/office/drawing/2014/main" id="{BA7C07BD-F92D-D11D-4001-954D87B4FE98}"/>
+                <a16:creationId xmlns:a16="http://schemas.microsoft.com/office/drawing/2014/main" id="{8FDB3A78-FAAD-5E3E-B890-118FAD46BA56}"/>
               </a:ext>
             </a:extLst>
           </p:cNvPr>
@@ -1169,7 +1169,7 @@
           <p:cNvPr id="6" name="灯片编号占位符 5">
             <a:extLst>
               <a:ext uri="{FF2B5EF4-FFF2-40B4-BE49-F238E27FC236}">
-                <a16:creationId xmlns:a16="http://schemas.microsoft.com/office/drawing/2014/main" id="{69E9940C-2592-7352-1294-BBF2E1B31366}"/>
+                <a16:creationId xmlns:a16="http://schemas.microsoft.com/office/drawing/2014/main" id="{2D71DF7B-66B3-AB1D-AEDA-5FA1E805532B}"/>
               </a:ext>
             </a:extLst>
           </p:cNvPr>
@@ -1185,7 +1185,7 @@
           <a:bodyPr/>
           <a:lstStyle/>
           <a:p>
-            <a:fld id="{4C0BC73E-0EEF-406B-A1BC-F52DD3F55DBD}" type="slidenum">
+            <a:fld id="{881C92E0-E051-4A23-A88D-BD0B9968E458}" type="slidenum">
               <a:rPr lang="zh-CN" altLang="en-US" smtClean="0"/>
               <a:t>‹#›</a:t>
             </a:fld>
@@ -1196,7 +1196,7 @@
     </p:spTree>
     <p:extLst>
       <p:ext uri="{BB962C8B-B14F-4D97-AF65-F5344CB8AC3E}">
-        <p14:creationId xmlns:p14="http://schemas.microsoft.com/office/powerpoint/2010/main" val="68622049"/>
+        <p14:creationId xmlns:p14="http://schemas.microsoft.com/office/powerpoint/2010/main" val="24599076"/>
       </p:ext>
     </p:extLst>
   </p:cSld>
@@ -1228,7 +1228,7 @@
           <p:cNvPr id="2" name="标题 1">
             <a:extLst>
               <a:ext uri="{FF2B5EF4-FFF2-40B4-BE49-F238E27FC236}">
-                <a16:creationId xmlns:a16="http://schemas.microsoft.com/office/drawing/2014/main" id="{9345953B-7806-98C0-A576-689167F23A85}"/>
+                <a16:creationId xmlns:a16="http://schemas.microsoft.com/office/drawing/2014/main" id="{9A6BBDAE-21B9-BCEF-ADFB-11009ADE3441}"/>
               </a:ext>
             </a:extLst>
           </p:cNvPr>
@@ -1256,7 +1256,7 @@
           <p:cNvPr id="3" name="内容占位符 2">
             <a:extLst>
               <a:ext uri="{FF2B5EF4-FFF2-40B4-BE49-F238E27FC236}">
-                <a16:creationId xmlns:a16="http://schemas.microsoft.com/office/drawing/2014/main" id="{2A73472F-EA8E-8182-1303-4C524F9835B8}"/>
+                <a16:creationId xmlns:a16="http://schemas.microsoft.com/office/drawing/2014/main" id="{0C03DE69-F1DA-E626-6138-83532C63C617}"/>
               </a:ext>
             </a:extLst>
           </p:cNvPr>
@@ -1318,7 +1318,7 @@
           <p:cNvPr id="4" name="内容占位符 3">
             <a:extLst>
               <a:ext uri="{FF2B5EF4-FFF2-40B4-BE49-F238E27FC236}">
-                <a16:creationId xmlns:a16="http://schemas.microsoft.com/office/drawing/2014/main" id="{1B5A9F80-F61A-C59D-5729-505B85F54D65}"/>
+                <a16:creationId xmlns:a16="http://schemas.microsoft.com/office/drawing/2014/main" id="{B3197535-51FB-1FF5-7141-9BFEEC38B3F1}"/>
               </a:ext>
             </a:extLst>
           </p:cNvPr>
@@ -1380,7 +1380,7 @@
           <p:cNvPr id="5" name="日期占位符 4">
             <a:extLst>
               <a:ext uri="{FF2B5EF4-FFF2-40B4-BE49-F238E27FC236}">
-                <a16:creationId xmlns:a16="http://schemas.microsoft.com/office/drawing/2014/main" id="{283FB57F-CF0F-5529-7FA4-2C77C966AC93}"/>
+                <a16:creationId xmlns:a16="http://schemas.microsoft.com/office/drawing/2014/main" id="{2117DE57-2547-1FB8-6C99-4D668B53B10E}"/>
               </a:ext>
             </a:extLst>
           </p:cNvPr>
@@ -1396,7 +1396,7 @@
           <a:bodyPr/>
           <a:lstStyle/>
           <a:p>
-            <a:fld id="{635527FE-A25D-42E5-9983-6993E68320A0}" type="datetimeFigureOut">
+            <a:fld id="{EEF061D5-D8D0-4935-BA65-6A3F3C8CFF36}" type="datetimeFigureOut">
               <a:rPr lang="zh-CN" altLang="en-US" smtClean="0"/>
               <a:t>2024/3/10</a:t>
             </a:fld>
@@ -1409,7 +1409,7 @@
           <p:cNvPr id="6" name="页脚占位符 5">
             <a:extLst>
               <a:ext uri="{FF2B5EF4-FFF2-40B4-BE49-F238E27FC236}">
-                <a16:creationId xmlns:a16="http://schemas.microsoft.com/office/drawing/2014/main" id="{7D1512A1-519A-B9EC-29B7-7B7C547AC932}"/>
+                <a16:creationId xmlns:a16="http://schemas.microsoft.com/office/drawing/2014/main" id="{6EA228FF-46A0-EAC7-1451-F6837BB75F81}"/>
               </a:ext>
             </a:extLst>
           </p:cNvPr>
@@ -1434,7 +1434,7 @@
           <p:cNvPr id="7" name="灯片编号占位符 6">
             <a:extLst>
               <a:ext uri="{FF2B5EF4-FFF2-40B4-BE49-F238E27FC236}">
-                <a16:creationId xmlns:a16="http://schemas.microsoft.com/office/drawing/2014/main" id="{DA20100B-3B2D-7E19-3886-09779260140E}"/>
+                <a16:creationId xmlns:a16="http://schemas.microsoft.com/office/drawing/2014/main" id="{BE1A25DA-47F7-3CDB-52D7-371D11C4A8D0}"/>
               </a:ext>
             </a:extLst>
           </p:cNvPr>
@@ -1450,7 +1450,7 @@
           <a:bodyPr/>
           <a:lstStyle/>
           <a:p>
-            <a:fld id="{4C0BC73E-0EEF-406B-A1BC-F52DD3F55DBD}" type="slidenum">
+            <a:fld id="{881C92E0-E051-4A23-A88D-BD0B9968E458}" type="slidenum">
               <a:rPr lang="zh-CN" altLang="en-US" smtClean="0"/>
               <a:t>‹#›</a:t>
             </a:fld>
@@ -1461,7 +1461,7 @@
     </p:spTree>
     <p:extLst>
       <p:ext uri="{BB962C8B-B14F-4D97-AF65-F5344CB8AC3E}">
-        <p14:creationId xmlns:p14="http://schemas.microsoft.com/office/powerpoint/2010/main" val="80674414"/>
+        <p14:creationId xmlns:p14="http://schemas.microsoft.com/office/powerpoint/2010/main" val="2000957826"/>
       </p:ext>
     </p:extLst>
   </p:cSld>
@@ -1493,7 +1493,7 @@
           <p:cNvPr id="2" name="标题 1">
             <a:extLst>
               <a:ext uri="{FF2B5EF4-FFF2-40B4-BE49-F238E27FC236}">
-                <a16:creationId xmlns:a16="http://schemas.microsoft.com/office/drawing/2014/main" id="{8F351494-7E03-A3A8-552F-91DB84291FB2}"/>
+                <a16:creationId xmlns:a16="http://schemas.microsoft.com/office/drawing/2014/main" id="{D2F19F94-5DD7-C4AE-AFCB-11343DC3BA06}"/>
               </a:ext>
             </a:extLst>
           </p:cNvPr>
@@ -1526,7 +1526,7 @@
           <p:cNvPr id="3" name="文本占位符 2">
             <a:extLst>
               <a:ext uri="{FF2B5EF4-FFF2-40B4-BE49-F238E27FC236}">
-                <a16:creationId xmlns:a16="http://schemas.microsoft.com/office/drawing/2014/main" id="{71DDE522-BCA3-E408-B841-59EA0104AD5F}"/>
+                <a16:creationId xmlns:a16="http://schemas.microsoft.com/office/drawing/2014/main" id="{0E0E1854-2395-A82E-235F-FC0156654F8C}"/>
               </a:ext>
             </a:extLst>
           </p:cNvPr>
@@ -1597,7 +1597,7 @@
           <p:cNvPr id="4" name="内容占位符 3">
             <a:extLst>
               <a:ext uri="{FF2B5EF4-FFF2-40B4-BE49-F238E27FC236}">
-                <a16:creationId xmlns:a16="http://schemas.microsoft.com/office/drawing/2014/main" id="{CD7102F5-48CB-4FBF-7D12-DF63DD38C3D6}"/>
+                <a16:creationId xmlns:a16="http://schemas.microsoft.com/office/drawing/2014/main" id="{7ED7FA5C-DAA9-1D6C-DDF4-A3E11B0F113B}"/>
               </a:ext>
             </a:extLst>
           </p:cNvPr>
@@ -1659,7 +1659,7 @@
           <p:cNvPr id="5" name="文本占位符 4">
             <a:extLst>
               <a:ext uri="{FF2B5EF4-FFF2-40B4-BE49-F238E27FC236}">
-                <a16:creationId xmlns:a16="http://schemas.microsoft.com/office/drawing/2014/main" id="{16AD76DB-BA9E-163C-1BA2-878887054EC5}"/>
+                <a16:creationId xmlns:a16="http://schemas.microsoft.com/office/drawing/2014/main" id="{51ED55CF-B109-50A9-8B22-8352E97081D7}"/>
               </a:ext>
             </a:extLst>
           </p:cNvPr>
@@ -1730,7 +1730,7 @@
           <p:cNvPr id="6" name="内容占位符 5">
             <a:extLst>
               <a:ext uri="{FF2B5EF4-FFF2-40B4-BE49-F238E27FC236}">
-                <a16:creationId xmlns:a16="http://schemas.microsoft.com/office/drawing/2014/main" id="{229D6CFE-BD36-7E58-A696-47E6BA331A3C}"/>
+                <a16:creationId xmlns:a16="http://schemas.microsoft.com/office/drawing/2014/main" id="{B04C43A3-65C6-6CF8-FD42-527DFC44A1F5}"/>
               </a:ext>
             </a:extLst>
           </p:cNvPr>
@@ -1792,7 +1792,7 @@
           <p:cNvPr id="7" name="日期占位符 6">
             <a:extLst>
               <a:ext uri="{FF2B5EF4-FFF2-40B4-BE49-F238E27FC236}">
-                <a16:creationId xmlns:a16="http://schemas.microsoft.com/office/drawing/2014/main" id="{A936A1F1-C4B1-1045-B74D-9610F9239647}"/>
+                <a16:creationId xmlns:a16="http://schemas.microsoft.com/office/drawing/2014/main" id="{6F7857A7-FB0D-A61D-6CDB-8654A4502D67}"/>
               </a:ext>
             </a:extLst>
           </p:cNvPr>
@@ -1808,7 +1808,7 @@
           <a:bodyPr/>
           <a:lstStyle/>
           <a:p>
-            <a:fld id="{635527FE-A25D-42E5-9983-6993E68320A0}" type="datetimeFigureOut">
+            <a:fld id="{EEF061D5-D8D0-4935-BA65-6A3F3C8CFF36}" type="datetimeFigureOut">
               <a:rPr lang="zh-CN" altLang="en-US" smtClean="0"/>
               <a:t>2024/3/10</a:t>
             </a:fld>
@@ -1821,7 +1821,7 @@
           <p:cNvPr id="8" name="页脚占位符 7">
             <a:extLst>
               <a:ext uri="{FF2B5EF4-FFF2-40B4-BE49-F238E27FC236}">
-                <a16:creationId xmlns:a16="http://schemas.microsoft.com/office/drawing/2014/main" id="{55E674BB-4581-5224-2A45-140335EEE523}"/>
+                <a16:creationId xmlns:a16="http://schemas.microsoft.com/office/drawing/2014/main" id="{E180D6FE-63CC-8416-DC0F-8DBF06EE795C}"/>
               </a:ext>
             </a:extLst>
           </p:cNvPr>
@@ -1846,7 +1846,7 @@
           <p:cNvPr id="9" name="灯片编号占位符 8">
             <a:extLst>
               <a:ext uri="{FF2B5EF4-FFF2-40B4-BE49-F238E27FC236}">
-                <a16:creationId xmlns:a16="http://schemas.microsoft.com/office/drawing/2014/main" id="{143B5E0C-3B19-76A4-5F72-50668DDB662E}"/>
+                <a16:creationId xmlns:a16="http://schemas.microsoft.com/office/drawing/2014/main" id="{6283F91A-2468-9C76-25A4-B8D03CA2D6DC}"/>
               </a:ext>
             </a:extLst>
           </p:cNvPr>
@@ -1862,7 +1862,7 @@
           <a:bodyPr/>
           <a:lstStyle/>
           <a:p>
-            <a:fld id="{4C0BC73E-0EEF-406B-A1BC-F52DD3F55DBD}" type="slidenum">
+            <a:fld id="{881C92E0-E051-4A23-A88D-BD0B9968E458}" type="slidenum">
               <a:rPr lang="zh-CN" altLang="en-US" smtClean="0"/>
               <a:t>‹#›</a:t>
             </a:fld>
@@ -1873,7 +1873,7 @@
     </p:spTree>
     <p:extLst>
       <p:ext uri="{BB962C8B-B14F-4D97-AF65-F5344CB8AC3E}">
-        <p14:creationId xmlns:p14="http://schemas.microsoft.com/office/powerpoint/2010/main" val="2174967900"/>
+        <p14:creationId xmlns:p14="http://schemas.microsoft.com/office/powerpoint/2010/main" val="313578535"/>
       </p:ext>
     </p:extLst>
   </p:cSld>
@@ -1905,7 +1905,7 @@
           <p:cNvPr id="2" name="标题 1">
             <a:extLst>
               <a:ext uri="{FF2B5EF4-FFF2-40B4-BE49-F238E27FC236}">
-                <a16:creationId xmlns:a16="http://schemas.microsoft.com/office/drawing/2014/main" id="{470D357C-B6FF-DFF7-7DC0-057ACE4DA8BC}"/>
+                <a16:creationId xmlns:a16="http://schemas.microsoft.com/office/drawing/2014/main" id="{C156702A-1B94-AC36-8E8D-0653B4137DB8}"/>
               </a:ext>
             </a:extLst>
           </p:cNvPr>
@@ -1933,7 +1933,7 @@
           <p:cNvPr id="3" name="日期占位符 2">
             <a:extLst>
               <a:ext uri="{FF2B5EF4-FFF2-40B4-BE49-F238E27FC236}">
-                <a16:creationId xmlns:a16="http://schemas.microsoft.com/office/drawing/2014/main" id="{E8E56BCC-1FB5-3CD4-73DC-85B70CC819FF}"/>
+                <a16:creationId xmlns:a16="http://schemas.microsoft.com/office/drawing/2014/main" id="{51A669E5-E6C2-37D5-1309-B1906DC911AC}"/>
               </a:ext>
             </a:extLst>
           </p:cNvPr>
@@ -1949,7 +1949,7 @@
           <a:bodyPr/>
           <a:lstStyle/>
           <a:p>
-            <a:fld id="{635527FE-A25D-42E5-9983-6993E68320A0}" type="datetimeFigureOut">
+            <a:fld id="{EEF061D5-D8D0-4935-BA65-6A3F3C8CFF36}" type="datetimeFigureOut">
               <a:rPr lang="zh-CN" altLang="en-US" smtClean="0"/>
               <a:t>2024/3/10</a:t>
             </a:fld>
@@ -1962,7 +1962,7 @@
           <p:cNvPr id="4" name="页脚占位符 3">
             <a:extLst>
               <a:ext uri="{FF2B5EF4-FFF2-40B4-BE49-F238E27FC236}">
-                <a16:creationId xmlns:a16="http://schemas.microsoft.com/office/drawing/2014/main" id="{1DF7793B-FF1A-8FD0-D3DC-29767FB19B7E}"/>
+                <a16:creationId xmlns:a16="http://schemas.microsoft.com/office/drawing/2014/main" id="{78F30736-2AA9-B4BC-B34A-232E302A4530}"/>
               </a:ext>
             </a:extLst>
           </p:cNvPr>
@@ -1987,7 +1987,7 @@
           <p:cNvPr id="5" name="灯片编号占位符 4">
             <a:extLst>
               <a:ext uri="{FF2B5EF4-FFF2-40B4-BE49-F238E27FC236}">
-                <a16:creationId xmlns:a16="http://schemas.microsoft.com/office/drawing/2014/main" id="{26AA7B5F-50DF-B6A2-2B9A-1E63FD07D165}"/>
+                <a16:creationId xmlns:a16="http://schemas.microsoft.com/office/drawing/2014/main" id="{3472FE7D-573A-FD36-F09B-6DB230411C3F}"/>
               </a:ext>
             </a:extLst>
           </p:cNvPr>
@@ -2003,7 +2003,7 @@
           <a:bodyPr/>
           <a:lstStyle/>
           <a:p>
-            <a:fld id="{4C0BC73E-0EEF-406B-A1BC-F52DD3F55DBD}" type="slidenum">
+            <a:fld id="{881C92E0-E051-4A23-A88D-BD0B9968E458}" type="slidenum">
               <a:rPr lang="zh-CN" altLang="en-US" smtClean="0"/>
               <a:t>‹#›</a:t>
             </a:fld>
@@ -2014,7 +2014,7 @@
     </p:spTree>
     <p:extLst>
       <p:ext uri="{BB962C8B-B14F-4D97-AF65-F5344CB8AC3E}">
-        <p14:creationId xmlns:p14="http://schemas.microsoft.com/office/powerpoint/2010/main" val="653686084"/>
+        <p14:creationId xmlns:p14="http://schemas.microsoft.com/office/powerpoint/2010/main" val="570959863"/>
       </p:ext>
     </p:extLst>
   </p:cSld>
@@ -2046,7 +2046,7 @@
           <p:cNvPr id="2" name="日期占位符 1">
             <a:extLst>
               <a:ext uri="{FF2B5EF4-FFF2-40B4-BE49-F238E27FC236}">
-                <a16:creationId xmlns:a16="http://schemas.microsoft.com/office/drawing/2014/main" id="{DF223772-CBD6-523A-195B-F5EC7225D825}"/>
+                <a16:creationId xmlns:a16="http://schemas.microsoft.com/office/drawing/2014/main" id="{7AA7EB07-56E2-0231-764A-D195954039EB}"/>
               </a:ext>
             </a:extLst>
           </p:cNvPr>
@@ -2062,7 +2062,7 @@
           <a:bodyPr/>
           <a:lstStyle/>
           <a:p>
-            <a:fld id="{635527FE-A25D-42E5-9983-6993E68320A0}" type="datetimeFigureOut">
+            <a:fld id="{EEF061D5-D8D0-4935-BA65-6A3F3C8CFF36}" type="datetimeFigureOut">
               <a:rPr lang="zh-CN" altLang="en-US" smtClean="0"/>
               <a:t>2024/3/10</a:t>
             </a:fld>
@@ -2075,7 +2075,7 @@
           <p:cNvPr id="3" name="页脚占位符 2">
             <a:extLst>
               <a:ext uri="{FF2B5EF4-FFF2-40B4-BE49-F238E27FC236}">
-                <a16:creationId xmlns:a16="http://schemas.microsoft.com/office/drawing/2014/main" id="{9969FFF6-0511-5D4F-2E67-9DA8AE6BA6DC}"/>
+                <a16:creationId xmlns:a16="http://schemas.microsoft.com/office/drawing/2014/main" id="{3545334B-53DF-E0DE-BCCD-757CE8DB5AD8}"/>
               </a:ext>
             </a:extLst>
           </p:cNvPr>
@@ -2100,7 +2100,7 @@
           <p:cNvPr id="4" name="灯片编号占位符 3">
             <a:extLst>
               <a:ext uri="{FF2B5EF4-FFF2-40B4-BE49-F238E27FC236}">
-                <a16:creationId xmlns:a16="http://schemas.microsoft.com/office/drawing/2014/main" id="{481ED22D-CFDC-15FB-702C-1DE6F8A98E16}"/>
+                <a16:creationId xmlns:a16="http://schemas.microsoft.com/office/drawing/2014/main" id="{28750831-4D73-A146-30FD-C99DF3261AB2}"/>
               </a:ext>
             </a:extLst>
           </p:cNvPr>
@@ -2116,7 +2116,7 @@
           <a:bodyPr/>
           <a:lstStyle/>
           <a:p>
-            <a:fld id="{4C0BC73E-0EEF-406B-A1BC-F52DD3F55DBD}" type="slidenum">
+            <a:fld id="{881C92E0-E051-4A23-A88D-BD0B9968E458}" type="slidenum">
               <a:rPr lang="zh-CN" altLang="en-US" smtClean="0"/>
               <a:t>‹#›</a:t>
             </a:fld>
@@ -2127,7 +2127,7 @@
     </p:spTree>
     <p:extLst>
       <p:ext uri="{BB962C8B-B14F-4D97-AF65-F5344CB8AC3E}">
-        <p14:creationId xmlns:p14="http://schemas.microsoft.com/office/powerpoint/2010/main" val="4276181513"/>
+        <p14:creationId xmlns:p14="http://schemas.microsoft.com/office/powerpoint/2010/main" val="3216901892"/>
       </p:ext>
     </p:extLst>
   </p:cSld>
@@ -2159,7 +2159,7 @@
           <p:cNvPr id="2" name="标题 1">
             <a:extLst>
               <a:ext uri="{FF2B5EF4-FFF2-40B4-BE49-F238E27FC236}">
-                <a16:creationId xmlns:a16="http://schemas.microsoft.com/office/drawing/2014/main" id="{E8103FFA-39D7-A6B9-F1F9-33B7B7924BAB}"/>
+                <a16:creationId xmlns:a16="http://schemas.microsoft.com/office/drawing/2014/main" id="{C7061A9F-3373-7C35-C4E1-2AA6B77C7D62}"/>
               </a:ext>
             </a:extLst>
           </p:cNvPr>
@@ -2196,7 +2196,7 @@
           <p:cNvPr id="3" name="内容占位符 2">
             <a:extLst>
               <a:ext uri="{FF2B5EF4-FFF2-40B4-BE49-F238E27FC236}">
-                <a16:creationId xmlns:a16="http://schemas.microsoft.com/office/drawing/2014/main" id="{2F164293-6E69-EF38-0503-081245748D4A}"/>
+                <a16:creationId xmlns:a16="http://schemas.microsoft.com/office/drawing/2014/main" id="{90F780B6-95FD-F5B7-714C-5EE0B205C252}"/>
               </a:ext>
             </a:extLst>
           </p:cNvPr>
@@ -2286,7 +2286,7 @@
           <p:cNvPr id="4" name="文本占位符 3">
             <a:extLst>
               <a:ext uri="{FF2B5EF4-FFF2-40B4-BE49-F238E27FC236}">
-                <a16:creationId xmlns:a16="http://schemas.microsoft.com/office/drawing/2014/main" id="{D2D06E43-454C-2B7F-4335-FDF88D05DBC9}"/>
+                <a16:creationId xmlns:a16="http://schemas.microsoft.com/office/drawing/2014/main" id="{5925CDE4-2D58-06F8-290B-0703D926D8D0}"/>
               </a:ext>
             </a:extLst>
           </p:cNvPr>
@@ -2357,7 +2357,7 @@
           <p:cNvPr id="5" name="日期占位符 4">
             <a:extLst>
               <a:ext uri="{FF2B5EF4-FFF2-40B4-BE49-F238E27FC236}">
-                <a16:creationId xmlns:a16="http://schemas.microsoft.com/office/drawing/2014/main" id="{29E374F5-6171-FAAC-5772-5B273E24E627}"/>
+                <a16:creationId xmlns:a16="http://schemas.microsoft.com/office/drawing/2014/main" id="{D05F0536-DE3E-19BD-6C3F-5870320B796B}"/>
               </a:ext>
             </a:extLst>
           </p:cNvPr>
@@ -2373,7 +2373,7 @@
           <a:bodyPr/>
           <a:lstStyle/>
           <a:p>
-            <a:fld id="{635527FE-A25D-42E5-9983-6993E68320A0}" type="datetimeFigureOut">
+            <a:fld id="{EEF061D5-D8D0-4935-BA65-6A3F3C8CFF36}" type="datetimeFigureOut">
               <a:rPr lang="zh-CN" altLang="en-US" smtClean="0"/>
               <a:t>2024/3/10</a:t>
             </a:fld>
@@ -2386,7 +2386,7 @@
           <p:cNvPr id="6" name="页脚占位符 5">
             <a:extLst>
               <a:ext uri="{FF2B5EF4-FFF2-40B4-BE49-F238E27FC236}">
-                <a16:creationId xmlns:a16="http://schemas.microsoft.com/office/drawing/2014/main" id="{7E3EA66B-52CD-5214-968B-03DCF79C5620}"/>
+                <a16:creationId xmlns:a16="http://schemas.microsoft.com/office/drawing/2014/main" id="{122BC46E-4A60-F2F1-7950-5284989FE2A7}"/>
               </a:ext>
             </a:extLst>
           </p:cNvPr>
@@ -2411,7 +2411,7 @@
           <p:cNvPr id="7" name="灯片编号占位符 6">
             <a:extLst>
               <a:ext uri="{FF2B5EF4-FFF2-40B4-BE49-F238E27FC236}">
-                <a16:creationId xmlns:a16="http://schemas.microsoft.com/office/drawing/2014/main" id="{304DE798-AFF5-E5AC-817D-D4555D033734}"/>
+                <a16:creationId xmlns:a16="http://schemas.microsoft.com/office/drawing/2014/main" id="{D1101E80-3B30-B5FC-2CF2-34E565F9E4CB}"/>
               </a:ext>
             </a:extLst>
           </p:cNvPr>
@@ -2427,7 +2427,7 @@
           <a:bodyPr/>
           <a:lstStyle/>
           <a:p>
-            <a:fld id="{4C0BC73E-0EEF-406B-A1BC-F52DD3F55DBD}" type="slidenum">
+            <a:fld id="{881C92E0-E051-4A23-A88D-BD0B9968E458}" type="slidenum">
               <a:rPr lang="zh-CN" altLang="en-US" smtClean="0"/>
               <a:t>‹#›</a:t>
             </a:fld>
@@ -2438,7 +2438,7 @@
     </p:spTree>
     <p:extLst>
       <p:ext uri="{BB962C8B-B14F-4D97-AF65-F5344CB8AC3E}">
-        <p14:creationId xmlns:p14="http://schemas.microsoft.com/office/powerpoint/2010/main" val="790722416"/>
+        <p14:creationId xmlns:p14="http://schemas.microsoft.com/office/powerpoint/2010/main" val="301262092"/>
       </p:ext>
     </p:extLst>
   </p:cSld>
@@ -2470,7 +2470,7 @@
           <p:cNvPr id="2" name="标题 1">
             <a:extLst>
               <a:ext uri="{FF2B5EF4-FFF2-40B4-BE49-F238E27FC236}">
-                <a16:creationId xmlns:a16="http://schemas.microsoft.com/office/drawing/2014/main" id="{32CF108E-EBB8-7F64-2751-87FCB0BA48F5}"/>
+                <a16:creationId xmlns:a16="http://schemas.microsoft.com/office/drawing/2014/main" id="{227D6C46-0EF4-DC31-813E-EED13AA32A71}"/>
               </a:ext>
             </a:extLst>
           </p:cNvPr>
@@ -2507,7 +2507,7 @@
           <p:cNvPr id="3" name="图片占位符 2">
             <a:extLst>
               <a:ext uri="{FF2B5EF4-FFF2-40B4-BE49-F238E27FC236}">
-                <a16:creationId xmlns:a16="http://schemas.microsoft.com/office/drawing/2014/main" id="{773A4077-BD38-9324-E301-4606B40D3081}"/>
+                <a16:creationId xmlns:a16="http://schemas.microsoft.com/office/drawing/2014/main" id="{70151A2A-22EF-D2FB-9F88-CB699637B7B0}"/>
               </a:ext>
             </a:extLst>
           </p:cNvPr>
@@ -2574,7 +2574,7 @@
           <p:cNvPr id="4" name="文本占位符 3">
             <a:extLst>
               <a:ext uri="{FF2B5EF4-FFF2-40B4-BE49-F238E27FC236}">
-                <a16:creationId xmlns:a16="http://schemas.microsoft.com/office/drawing/2014/main" id="{B5E6ED45-DA6F-AEF4-D8BB-9B3D4105B983}"/>
+                <a16:creationId xmlns:a16="http://schemas.microsoft.com/office/drawing/2014/main" id="{78DDC920-85AA-2D5D-AB07-C8F839F6E3D3}"/>
               </a:ext>
             </a:extLst>
           </p:cNvPr>
@@ -2645,7 +2645,7 @@
           <p:cNvPr id="5" name="日期占位符 4">
             <a:extLst>
               <a:ext uri="{FF2B5EF4-FFF2-40B4-BE49-F238E27FC236}">
-                <a16:creationId xmlns:a16="http://schemas.microsoft.com/office/drawing/2014/main" id="{C58A0CA3-8870-FC99-8C8F-A67D841CBF6F}"/>
+                <a16:creationId xmlns:a16="http://schemas.microsoft.com/office/drawing/2014/main" id="{7B492A0D-BF3D-5C2C-1167-0B84347DBF99}"/>
               </a:ext>
             </a:extLst>
           </p:cNvPr>
@@ -2661,7 +2661,7 @@
           <a:bodyPr/>
           <a:lstStyle/>
           <a:p>
-            <a:fld id="{635527FE-A25D-42E5-9983-6993E68320A0}" type="datetimeFigureOut">
+            <a:fld id="{EEF061D5-D8D0-4935-BA65-6A3F3C8CFF36}" type="datetimeFigureOut">
               <a:rPr lang="zh-CN" altLang="en-US" smtClean="0"/>
               <a:t>2024/3/10</a:t>
             </a:fld>
@@ -2674,7 +2674,7 @@
           <p:cNvPr id="6" name="页脚占位符 5">
             <a:extLst>
               <a:ext uri="{FF2B5EF4-FFF2-40B4-BE49-F238E27FC236}">
-                <a16:creationId xmlns:a16="http://schemas.microsoft.com/office/drawing/2014/main" id="{54E22508-0158-7B46-451A-3432F5644071}"/>
+                <a16:creationId xmlns:a16="http://schemas.microsoft.com/office/drawing/2014/main" id="{3C8EE13B-C7B1-25B6-F26B-79D02493D616}"/>
               </a:ext>
             </a:extLst>
           </p:cNvPr>
@@ -2699,7 +2699,7 @@
           <p:cNvPr id="7" name="灯片编号占位符 6">
             <a:extLst>
               <a:ext uri="{FF2B5EF4-FFF2-40B4-BE49-F238E27FC236}">
-                <a16:creationId xmlns:a16="http://schemas.microsoft.com/office/drawing/2014/main" id="{113657F2-687F-F2A8-1407-05AB700A7858}"/>
+                <a16:creationId xmlns:a16="http://schemas.microsoft.com/office/drawing/2014/main" id="{F4853819-88EA-526F-0648-3CC4AB9E8BE4}"/>
               </a:ext>
             </a:extLst>
           </p:cNvPr>
@@ -2715,7 +2715,7 @@
           <a:bodyPr/>
           <a:lstStyle/>
           <a:p>
-            <a:fld id="{4C0BC73E-0EEF-406B-A1BC-F52DD3F55DBD}" type="slidenum">
+            <a:fld id="{881C92E0-E051-4A23-A88D-BD0B9968E458}" type="slidenum">
               <a:rPr lang="zh-CN" altLang="en-US" smtClean="0"/>
               <a:t>‹#›</a:t>
             </a:fld>
@@ -2726,7 +2726,7 @@
     </p:spTree>
     <p:extLst>
       <p:ext uri="{BB962C8B-B14F-4D97-AF65-F5344CB8AC3E}">
-        <p14:creationId xmlns:p14="http://schemas.microsoft.com/office/powerpoint/2010/main" val="2028036203"/>
+        <p14:creationId xmlns:p14="http://schemas.microsoft.com/office/powerpoint/2010/main" val="200499913"/>
       </p:ext>
     </p:extLst>
   </p:cSld>
@@ -2763,7 +2763,7 @@
           <p:cNvPr id="2" name="标题占位符 1">
             <a:extLst>
               <a:ext uri="{FF2B5EF4-FFF2-40B4-BE49-F238E27FC236}">
-                <a16:creationId xmlns:a16="http://schemas.microsoft.com/office/drawing/2014/main" id="{D7A2E498-DB62-3341-D8ED-17904D158439}"/>
+                <a16:creationId xmlns:a16="http://schemas.microsoft.com/office/drawing/2014/main" id="{661E1A4E-9DF9-B52B-F35D-0093D8D965C9}"/>
               </a:ext>
             </a:extLst>
           </p:cNvPr>
@@ -2801,7 +2801,7 @@
           <p:cNvPr id="3" name="文本占位符 2">
             <a:extLst>
               <a:ext uri="{FF2B5EF4-FFF2-40B4-BE49-F238E27FC236}">
-                <a16:creationId xmlns:a16="http://schemas.microsoft.com/office/drawing/2014/main" id="{E50F06EF-6580-B491-7481-D8A6301D0187}"/>
+                <a16:creationId xmlns:a16="http://schemas.microsoft.com/office/drawing/2014/main" id="{A7527B58-BB34-7631-0A1E-65958B2C239A}"/>
               </a:ext>
             </a:extLst>
           </p:cNvPr>
@@ -2868,7 +2868,7 @@
           <p:cNvPr id="4" name="日期占位符 3">
             <a:extLst>
               <a:ext uri="{FF2B5EF4-FFF2-40B4-BE49-F238E27FC236}">
-                <a16:creationId xmlns:a16="http://schemas.microsoft.com/office/drawing/2014/main" id="{9BAF014D-6DE4-1287-AB93-18AE056572E1}"/>
+                <a16:creationId xmlns:a16="http://schemas.microsoft.com/office/drawing/2014/main" id="{B00CFFEE-73CA-94AC-DFCE-EE5B06D9F6BE}"/>
               </a:ext>
             </a:extLst>
           </p:cNvPr>
@@ -2902,7 +2902,7 @@
             </a:lvl1pPr>
           </a:lstStyle>
           <a:p>
-            <a:fld id="{635527FE-A25D-42E5-9983-6993E68320A0}" type="datetimeFigureOut">
+            <a:fld id="{EEF061D5-D8D0-4935-BA65-6A3F3C8CFF36}" type="datetimeFigureOut">
               <a:rPr lang="zh-CN" altLang="en-US" smtClean="0"/>
               <a:t>2024/3/10</a:t>
             </a:fld>
@@ -2915,7 +2915,7 @@
           <p:cNvPr id="5" name="页脚占位符 4">
             <a:extLst>
               <a:ext uri="{FF2B5EF4-FFF2-40B4-BE49-F238E27FC236}">
-                <a16:creationId xmlns:a16="http://schemas.microsoft.com/office/drawing/2014/main" id="{BE7DC2BF-F465-9D12-8739-405617446C07}"/>
+                <a16:creationId xmlns:a16="http://schemas.microsoft.com/office/drawing/2014/main" id="{8023C85B-A709-62C8-8779-0FF9FA14A2AF}"/>
               </a:ext>
             </a:extLst>
           </p:cNvPr>
@@ -2958,7 +2958,7 @@
           <p:cNvPr id="6" name="灯片编号占位符 5">
             <a:extLst>
               <a:ext uri="{FF2B5EF4-FFF2-40B4-BE49-F238E27FC236}">
-                <a16:creationId xmlns:a16="http://schemas.microsoft.com/office/drawing/2014/main" id="{6B02D433-65C5-120A-9497-6B789FC88996}"/>
+                <a16:creationId xmlns:a16="http://schemas.microsoft.com/office/drawing/2014/main" id="{BE80A5FC-F4EA-AFBC-E1F2-DD92242131CD}"/>
               </a:ext>
             </a:extLst>
           </p:cNvPr>
@@ -2992,7 +2992,7 @@
             </a:lvl1pPr>
           </a:lstStyle>
           <a:p>
-            <a:fld id="{4C0BC73E-0EEF-406B-A1BC-F52DD3F55DBD}" type="slidenum">
+            <a:fld id="{881C92E0-E051-4A23-A88D-BD0B9968E458}" type="slidenum">
               <a:rPr lang="zh-CN" altLang="en-US" smtClean="0"/>
               <a:t>‹#›</a:t>
             </a:fld>
@@ -3003,7 +3003,7 @@
     </p:spTree>
     <p:extLst>
       <p:ext uri="{BB962C8B-B14F-4D97-AF65-F5344CB8AC3E}">
-        <p14:creationId xmlns:p14="http://schemas.microsoft.com/office/powerpoint/2010/main" val="820734029"/>
+        <p14:creationId xmlns:p14="http://schemas.microsoft.com/office/powerpoint/2010/main" val="1235289367"/>
       </p:ext>
     </p:extLst>
   </p:cSld>
@@ -3323,7 +3323,7 @@
       </p:grpSpPr>
       <p:pic>
         <p:nvPicPr>
-          <p:cNvPr id="1485826" name="Picture 2" descr="1450"/>
+          <p:cNvPr id="1486850" name="Picture 2" descr="1451"/>
           <p:cNvPicPr>
             <a:picLocks noChangeAspect="1" noChangeArrowheads="1"/>
           </p:cNvPicPr>
@@ -3345,7 +3345,7 @@
         <p:spPr bwMode="auto">
           <a:xfrm>
             <a:off x="1524000" y="0"/>
-            <a:ext cx="9144000" cy="4724400"/>
+            <a:ext cx="9144000" cy="4076700"/>
           </a:xfrm>
           <a:prstGeom prst="rect">
             <a:avLst/>
